--- a/Final_Project/finalProject_10938038.pptx
+++ b/Final_Project/finalProject_10938038.pptx
@@ -15969,7 +15969,7 @@
         <p:spPr>
           <a:xfrm>
             <a:off x="213359" y="4706199"/>
-            <a:ext cx="7903845" cy="1238159"/>
+            <a:ext cx="7903845" cy="1176604"/>
           </a:xfrm>
           <a:prstGeom prst="rect">
             <a:avLst/>
@@ -15990,133 +15990,133 @@
               </a:spcBef>
             </a:pPr>
             <a:r>
-              <a:rPr lang="it-IT" sz="1600" dirty="0">
+              <a:rPr lang="it-IT" sz="1400" dirty="0">
                 <a:latin typeface="Calibri"/>
                 <a:cs typeface="Calibri"/>
               </a:rPr>
               <a:t>So, </a:t>
             </a:r>
             <a:r>
-              <a:rPr lang="it-IT" sz="1600" dirty="0" err="1">
+              <a:rPr lang="it-IT" sz="1400" dirty="0" err="1">
                 <a:latin typeface="Calibri"/>
                 <a:cs typeface="Calibri"/>
               </a:rPr>
               <a:t>considering</a:t>
             </a:r>
             <a:r>
-              <a:rPr lang="it-IT" sz="1600" dirty="0">
+              <a:rPr lang="it-IT" sz="1400" dirty="0">
                 <a:latin typeface="Calibri"/>
                 <a:cs typeface="Calibri"/>
               </a:rPr>
               <a:t> a production time &lt;= 60 days </a:t>
             </a:r>
             <a:r>
-              <a:rPr lang="it-IT" sz="1600" dirty="0" err="1">
+              <a:rPr lang="it-IT" sz="1400" dirty="0" err="1">
                 <a:latin typeface="Calibri"/>
                 <a:cs typeface="Calibri"/>
               </a:rPr>
               <a:t>we</a:t>
             </a:r>
             <a:r>
-              <a:rPr lang="it-IT" sz="1600" dirty="0">
+              <a:rPr lang="it-IT" sz="1400" dirty="0">
                 <a:latin typeface="Calibri"/>
                 <a:cs typeface="Calibri"/>
               </a:rPr>
               <a:t> can </a:t>
             </a:r>
             <a:r>
-              <a:rPr lang="it-IT" sz="1600" dirty="0" err="1">
+              <a:rPr lang="it-IT" sz="1400" dirty="0" err="1">
                 <a:latin typeface="Calibri"/>
                 <a:cs typeface="Calibri"/>
               </a:rPr>
               <a:t>have</a:t>
             </a:r>
             <a:r>
-              <a:rPr lang="it-IT" sz="1600" dirty="0">
+              <a:rPr lang="it-IT" sz="1400" dirty="0">
                 <a:latin typeface="Calibri"/>
                 <a:cs typeface="Calibri"/>
               </a:rPr>
               <a:t> N = 7 (</a:t>
             </a:r>
             <a:r>
-              <a:rPr lang="it-IT" sz="1600" dirty="0" err="1">
+              <a:rPr lang="it-IT" sz="1400" dirty="0" err="1">
                 <a:latin typeface="Calibri"/>
                 <a:cs typeface="Calibri"/>
               </a:rPr>
               <a:t>number</a:t>
             </a:r>
             <a:r>
-              <a:rPr lang="it-IT" sz="1600" dirty="0">
+              <a:rPr lang="it-IT" sz="1400" dirty="0">
                 <a:latin typeface="Calibri"/>
                 <a:cs typeface="Calibri"/>
               </a:rPr>
               <a:t> of </a:t>
             </a:r>
             <a:r>
-              <a:rPr lang="it-IT" sz="1600" dirty="0" err="1">
+              <a:rPr lang="it-IT" sz="1400" dirty="0" err="1">
                 <a:latin typeface="Calibri"/>
                 <a:cs typeface="Calibri"/>
               </a:rPr>
               <a:t>episodes</a:t>
             </a:r>
             <a:r>
-              <a:rPr lang="it-IT" sz="1600" dirty="0">
+              <a:rPr lang="it-IT" sz="1400" dirty="0">
                 <a:latin typeface="Calibri"/>
                 <a:cs typeface="Calibri"/>
               </a:rPr>
               <a:t>) with a </a:t>
             </a:r>
             <a:r>
-              <a:rPr lang="it-IT" sz="1600" dirty="0" err="1">
+              <a:rPr lang="it-IT" sz="1400" dirty="0" err="1">
                 <a:latin typeface="Calibri"/>
                 <a:cs typeface="Calibri"/>
               </a:rPr>
               <a:t>mean</a:t>
             </a:r>
             <a:r>
-              <a:rPr lang="it-IT" sz="1600" dirty="0">
+              <a:rPr lang="it-IT" sz="1400" dirty="0">
                 <a:latin typeface="Calibri"/>
                 <a:cs typeface="Calibri"/>
               </a:rPr>
               <a:t> throughput </a:t>
             </a:r>
             <a:r>
-              <a:rPr lang="it-IT" sz="1600" dirty="0" err="1">
+              <a:rPr lang="it-IT" sz="1400" dirty="0" err="1">
                 <a:latin typeface="Calibri"/>
                 <a:cs typeface="Calibri"/>
               </a:rPr>
               <a:t>value</a:t>
             </a:r>
             <a:r>
-              <a:rPr lang="it-IT" sz="1600" dirty="0">
+              <a:rPr lang="it-IT" sz="1400" dirty="0">
                 <a:latin typeface="Calibri"/>
                 <a:cs typeface="Calibri"/>
               </a:rPr>
               <a:t> = 0.1244 (the throughput </a:t>
             </a:r>
             <a:r>
-              <a:rPr lang="it-IT" sz="1600" dirty="0" err="1">
+              <a:rPr lang="it-IT" sz="1400" dirty="0" err="1">
                 <a:latin typeface="Calibri"/>
                 <a:cs typeface="Calibri"/>
               </a:rPr>
               <a:t>has</a:t>
             </a:r>
             <a:r>
-              <a:rPr lang="it-IT" sz="1600" dirty="0">
-                <a:latin typeface="Calibri"/>
-                <a:cs typeface="Calibri"/>
-              </a:rPr>
-              <a:t> </a:t>
-            </a:r>
-            <a:r>
-              <a:rPr lang="it-IT" sz="1600" dirty="0" err="1">
+              <a:rPr lang="it-IT" sz="1400" dirty="0">
+                <a:latin typeface="Calibri"/>
+                <a:cs typeface="Calibri"/>
+              </a:rPr>
+              <a:t> </a:t>
+            </a:r>
+            <a:r>
+              <a:rPr lang="it-IT" sz="1400" dirty="0" err="1">
                 <a:latin typeface="Calibri"/>
                 <a:cs typeface="Calibri"/>
               </a:rPr>
               <a:t>increased</a:t>
             </a:r>
             <a:r>
-              <a:rPr lang="it-IT" sz="1600" dirty="0">
+              <a:rPr lang="it-IT" sz="1400" dirty="0">
                 <a:latin typeface="Calibri"/>
                 <a:cs typeface="Calibri"/>
               </a:rPr>
@@ -16136,6 +16136,9 @@
             </a:br>
             <a:r>
               <a:rPr lang="it-IT" sz="1400" dirty="0">
+                <a:solidFill>
+                  <a:srgbClr val="FF0000"/>
+                </a:solidFill>
                 <a:latin typeface="Calibri"/>
                 <a:cs typeface="Calibri"/>
               </a:rPr>
@@ -16143,6 +16146,9 @@
             </a:r>
             <a:r>
               <a:rPr lang="it-IT" sz="1400" dirty="0" err="1">
+                <a:solidFill>
+                  <a:srgbClr val="FF0000"/>
+                </a:solidFill>
                 <a:latin typeface="Calibri"/>
                 <a:cs typeface="Calibri"/>
               </a:rPr>
@@ -16150,6 +16156,9 @@
             </a:r>
             <a:r>
               <a:rPr lang="it-IT" sz="1400" dirty="0">
+                <a:solidFill>
+                  <a:srgbClr val="FF0000"/>
+                </a:solidFill>
                 <a:latin typeface="Calibri"/>
                 <a:cs typeface="Calibri"/>
               </a:rPr>
@@ -16157,6 +16166,9 @@
             </a:r>
             <a:r>
               <a:rPr lang="it-IT" sz="1400" dirty="0" err="1">
+                <a:solidFill>
+                  <a:srgbClr val="FF0000"/>
+                </a:solidFill>
                 <a:latin typeface="Calibri"/>
                 <a:cs typeface="Calibri"/>
               </a:rPr>
@@ -16164,6 +16176,9 @@
             </a:r>
             <a:r>
               <a:rPr lang="it-IT" sz="1400" dirty="0">
+                <a:solidFill>
+                  <a:srgbClr val="FF0000"/>
+                </a:solidFill>
                 <a:latin typeface="Calibri"/>
                 <a:cs typeface="Calibri"/>
               </a:rPr>
@@ -16171,6 +16186,9 @@
             </a:r>
             <a:r>
               <a:rPr lang="it-IT" sz="1400" dirty="0" err="1">
+                <a:solidFill>
+                  <a:srgbClr val="FF0000"/>
+                </a:solidFill>
                 <a:latin typeface="Calibri"/>
                 <a:cs typeface="Calibri"/>
               </a:rPr>
@@ -16178,6 +16196,9 @@
             </a:r>
             <a:r>
               <a:rPr lang="it-IT" sz="1400" dirty="0">
+                <a:solidFill>
+                  <a:srgbClr val="FF0000"/>
+                </a:solidFill>
                 <a:latin typeface="Calibri"/>
                 <a:cs typeface="Calibri"/>
               </a:rPr>
@@ -16185,6 +16206,9 @@
             </a:r>
             <a:r>
               <a:rPr lang="it-IT" sz="1400" dirty="0" err="1">
+                <a:solidFill>
+                  <a:srgbClr val="FF0000"/>
+                </a:solidFill>
                 <a:latin typeface="Calibri"/>
                 <a:cs typeface="Calibri"/>
               </a:rPr>
@@ -16192,6 +16216,9 @@
             </a:r>
             <a:r>
               <a:rPr lang="it-IT" sz="1400" dirty="0">
+                <a:solidFill>
+                  <a:srgbClr val="FF0000"/>
+                </a:solidFill>
                 <a:latin typeface="Calibri"/>
                 <a:cs typeface="Calibri"/>
               </a:rPr>
@@ -16199,6 +16226,9 @@
             </a:r>
             <a:r>
               <a:rPr lang="it-IT" sz="1400" dirty="0" err="1">
+                <a:solidFill>
+                  <a:srgbClr val="FF0000"/>
+                </a:solidFill>
                 <a:latin typeface="Calibri"/>
                 <a:cs typeface="Calibri"/>
               </a:rPr>
@@ -16206,6 +16236,9 @@
             </a:r>
             <a:r>
               <a:rPr lang="it-IT" sz="1400" dirty="0">
+                <a:solidFill>
+                  <a:srgbClr val="FF0000"/>
+                </a:solidFill>
                 <a:latin typeface="Calibri"/>
                 <a:cs typeface="Calibri"/>
               </a:rPr>
@@ -16213,6 +16246,9 @@
             </a:r>
             <a:r>
               <a:rPr lang="it-IT" sz="1400" dirty="0" err="1">
+                <a:solidFill>
+                  <a:srgbClr val="FF0000"/>
+                </a:solidFill>
                 <a:latin typeface="Calibri"/>
                 <a:cs typeface="Calibri"/>
               </a:rPr>
@@ -16220,6 +16256,9 @@
             </a:r>
             <a:r>
               <a:rPr lang="it-IT" sz="1400" dirty="0">
+                <a:solidFill>
+                  <a:srgbClr val="FF0000"/>
+                </a:solidFill>
                 <a:latin typeface="Calibri"/>
                 <a:cs typeface="Calibri"/>
               </a:rPr>
@@ -16227,6 +16266,9 @@
             </a:r>
             <a:r>
               <a:rPr lang="it-IT" sz="1400" dirty="0" err="1">
+                <a:solidFill>
+                  <a:srgbClr val="FF0000"/>
+                </a:solidFill>
                 <a:latin typeface="Calibri"/>
                 <a:cs typeface="Calibri"/>
               </a:rPr>
@@ -16234,6 +16276,9 @@
             </a:r>
             <a:r>
               <a:rPr lang="it-IT" sz="1400" dirty="0">
+                <a:solidFill>
+                  <a:srgbClr val="FF0000"/>
+                </a:solidFill>
                 <a:latin typeface="Calibri"/>
                 <a:cs typeface="Calibri"/>
               </a:rPr>
@@ -16241,6 +16286,9 @@
             </a:r>
             <a:r>
               <a:rPr lang="it-IT" sz="1400" dirty="0" err="1">
+                <a:solidFill>
+                  <a:srgbClr val="FF0000"/>
+                </a:solidFill>
                 <a:latin typeface="Calibri"/>
                 <a:cs typeface="Calibri"/>
               </a:rPr>
@@ -16248,6 +16296,9 @@
             </a:r>
             <a:r>
               <a:rPr lang="it-IT" sz="1400" dirty="0">
+                <a:solidFill>
+                  <a:srgbClr val="FF0000"/>
+                </a:solidFill>
                 <a:latin typeface="Calibri"/>
                 <a:cs typeface="Calibri"/>
               </a:rPr>
@@ -16255,6 +16306,9 @@
             </a:r>
             <a:r>
               <a:rPr lang="it-IT" sz="1400" dirty="0" err="1">
+                <a:solidFill>
+                  <a:srgbClr val="FF0000"/>
+                </a:solidFill>
                 <a:latin typeface="Calibri"/>
                 <a:cs typeface="Calibri"/>
               </a:rPr>
@@ -16262,6 +16316,9 @@
             </a:r>
             <a:r>
               <a:rPr lang="it-IT" sz="1400" dirty="0">
+                <a:solidFill>
+                  <a:srgbClr val="FF0000"/>
+                </a:solidFill>
                 <a:latin typeface="Calibri"/>
                 <a:cs typeface="Calibri"/>
               </a:rPr>
@@ -16269,6 +16326,9 @@
             </a:r>
             <a:r>
               <a:rPr lang="it-IT" sz="1400" dirty="0" err="1">
+                <a:solidFill>
+                  <a:srgbClr val="FF0000"/>
+                </a:solidFill>
                 <a:latin typeface="Calibri"/>
                 <a:cs typeface="Calibri"/>
               </a:rPr>
@@ -16276,6 +16336,9 @@
             </a:r>
             <a:r>
               <a:rPr lang="it-IT" sz="1400" dirty="0">
+                <a:solidFill>
+                  <a:srgbClr val="FF0000"/>
+                </a:solidFill>
                 <a:latin typeface="Calibri"/>
                 <a:cs typeface="Calibri"/>
               </a:rPr>
@@ -16283,6 +16346,9 @@
             </a:r>
             <a:r>
               <a:rPr lang="it-IT" sz="1400" dirty="0" err="1">
+                <a:solidFill>
+                  <a:srgbClr val="FF0000"/>
+                </a:solidFill>
                 <a:latin typeface="Calibri"/>
                 <a:cs typeface="Calibri"/>
               </a:rPr>
@@ -16290,6 +16356,9 @@
             </a:r>
             <a:r>
               <a:rPr lang="it-IT" sz="1400" dirty="0">
+                <a:solidFill>
+                  <a:srgbClr val="FF0000"/>
+                </a:solidFill>
                 <a:latin typeface="Calibri"/>
                 <a:cs typeface="Calibri"/>
               </a:rPr>
@@ -16297,6 +16366,9 @@
             </a:r>
             <a:r>
               <a:rPr lang="it-IT" sz="1400" dirty="0" err="1">
+                <a:solidFill>
+                  <a:srgbClr val="FF0000"/>
+                </a:solidFill>
                 <a:latin typeface="Calibri"/>
                 <a:cs typeface="Calibri"/>
               </a:rPr>
@@ -16304,12 +16376,18 @@
             </a:r>
             <a:r>
               <a:rPr lang="it-IT" sz="1400" dirty="0">
+                <a:solidFill>
+                  <a:srgbClr val="FF0000"/>
+                </a:solidFill>
                 <a:latin typeface="Calibri"/>
                 <a:cs typeface="Calibri"/>
               </a:rPr>
               <a:t>.</a:t>
             </a:r>
             <a:endParaRPr sz="1400" dirty="0">
+              <a:solidFill>
+                <a:srgbClr val="FF0000"/>
+              </a:solidFill>
               <a:latin typeface="Calibri"/>
               <a:cs typeface="Calibri"/>
             </a:endParaRPr>
@@ -16578,7 +16656,7 @@
             </a:r>
             <a:r>
               <a:rPr lang="en-US" dirty="0"/>
-              <a:t>) can be done in parallel).</a:t>
+              <a:t>) can be done in parallel.</a:t>
             </a:r>
             <a:br>
               <a:rPr lang="en-US" dirty="0"/>
@@ -17200,21 +17278,7 @@
                 <a:latin typeface="Calibri"/>
                 <a:cs typeface="Calibri"/>
               </a:rPr>
-              <a:t>*For the Story </a:t>
-            </a:r>
-            <a:r>
-              <a:rPr lang="it-IT" sz="1800" spc="-10" dirty="0" err="1">
-                <a:latin typeface="Calibri"/>
-                <a:cs typeface="Calibri"/>
-              </a:rPr>
-              <a:t>writnig</a:t>
-            </a:r>
-            <a:r>
-              <a:rPr lang="it-IT" sz="1800" spc="-10" dirty="0">
-                <a:latin typeface="Calibri"/>
-                <a:cs typeface="Calibri"/>
-              </a:rPr>
-              <a:t> and Shooting stages I </a:t>
+              <a:t>*For the Story writing and Shooting stages I </a:t>
             </a:r>
             <a:r>
               <a:rPr lang="it-IT" sz="1800" spc="-10" dirty="0" err="1">
@@ -17539,18 +17603,18 @@
               <a:t> (DISP from </a:t>
             </a:r>
             <a:r>
-              <a:rPr lang="it-IT" sz="1800" spc="-20" dirty="0" err="1">
-                <a:latin typeface="Calibri"/>
-                <a:cs typeface="Calibri"/>
-              </a:rPr>
-              <a:t>matlab</a:t>
+              <a:rPr lang="it-IT" spc="-20" dirty="0">
+                <a:latin typeface="Calibri"/>
+                <a:cs typeface="Calibri"/>
+              </a:rPr>
+              <a:t>M</a:t>
             </a:r>
             <a:r>
               <a:rPr lang="it-IT" sz="1800" spc="-20" dirty="0">
                 <a:latin typeface="Calibri"/>
                 <a:cs typeface="Calibri"/>
               </a:rPr>
-              <a:t>)</a:t>
+              <a:t>atlab)</a:t>
             </a:r>
             <a:r>
               <a:rPr sz="1800" spc="-10" dirty="0">
@@ -17789,42 +17853,6 @@
           </a:p>
         </p:txBody>
       </p:sp>
-      <p:pic>
-        <p:nvPicPr>
-          <p:cNvPr id="11" name="Picture 10" descr="A graph of audio editing&#10;&#10;Description automatically generated">
-            <a:extLst>
-              <a:ext uri="{FF2B5EF4-FFF2-40B4-BE49-F238E27FC236}">
-                <a16:creationId xmlns:a16="http://schemas.microsoft.com/office/drawing/2014/main" id="{46116FE8-A676-05D8-5AD3-FF946B9E3C3C}"/>
-              </a:ext>
-            </a:extLst>
-          </p:cNvPr>
-          <p:cNvPicPr>
-            <a:picLocks noChangeAspect="1"/>
-          </p:cNvPicPr>
-          <p:nvPr/>
-        </p:nvPicPr>
-        <p:blipFill>
-          <a:blip r:embed="rId2">
-            <a:extLst>
-              <a:ext uri="{28A0092B-C50C-407E-A947-70E740481C1C}">
-                <a14:useLocalDpi xmlns:a14="http://schemas.microsoft.com/office/drawing/2010/main" val="0"/>
-              </a:ext>
-            </a:extLst>
-          </a:blip>
-          <a:stretch>
-            <a:fillRect/>
-          </a:stretch>
-        </p:blipFill>
-        <p:spPr>
-          <a:xfrm>
-            <a:off x="3652176" y="2057400"/>
-            <a:ext cx="4939334" cy="3675366"/>
-          </a:xfrm>
-          <a:prstGeom prst="rect">
-            <a:avLst/>
-          </a:prstGeom>
-        </p:spPr>
-      </p:pic>
       <p:sp>
         <p:nvSpPr>
           <p:cNvPr id="12" name="object 10">
@@ -17869,6 +17897,42 @@
           </a:p>
         </p:txBody>
       </p:sp>
+      <p:pic>
+        <p:nvPicPr>
+          <p:cNvPr id="8" name="Picture 7" descr="A graph with colorful lines and text&#10;&#10;Description automatically generated">
+            <a:extLst>
+              <a:ext uri="{FF2B5EF4-FFF2-40B4-BE49-F238E27FC236}">
+                <a16:creationId xmlns:a16="http://schemas.microsoft.com/office/drawing/2014/main" id="{DB6E09A3-5C5C-AC25-8BD3-66B1EE1405C2}"/>
+              </a:ext>
+            </a:extLst>
+          </p:cNvPr>
+          <p:cNvPicPr>
+            <a:picLocks noChangeAspect="1"/>
+          </p:cNvPicPr>
+          <p:nvPr/>
+        </p:nvPicPr>
+        <p:blipFill>
+          <a:blip r:embed="rId2">
+            <a:extLst>
+              <a:ext uri="{28A0092B-C50C-407E-A947-70E740481C1C}">
+                <a14:useLocalDpi xmlns:a14="http://schemas.microsoft.com/office/drawing/2010/main" val="0"/>
+              </a:ext>
+            </a:extLst>
+          </a:blip>
+          <a:stretch>
+            <a:fillRect/>
+          </a:stretch>
+        </p:blipFill>
+        <p:spPr>
+          <a:xfrm>
+            <a:off x="3886200" y="1905000"/>
+            <a:ext cx="4601217" cy="3867690"/>
+          </a:xfrm>
+          <a:prstGeom prst="rect">
+            <a:avLst/>
+          </a:prstGeom>
+        </p:spPr>
+      </p:pic>
     </p:spTree>
   </p:cSld>
   <p:clrMapOvr>
@@ -18092,18 +18156,18 @@
               <a:t> (DISP from </a:t>
             </a:r>
             <a:r>
-              <a:rPr lang="it-IT" sz="1800" spc="-20" dirty="0" err="1">
-                <a:latin typeface="Calibri"/>
-                <a:cs typeface="Calibri"/>
-              </a:rPr>
-              <a:t>matlab</a:t>
+              <a:rPr lang="it-IT" spc="-20" dirty="0">
+                <a:latin typeface="Calibri"/>
+                <a:cs typeface="Calibri"/>
+              </a:rPr>
+              <a:t>M</a:t>
             </a:r>
             <a:r>
               <a:rPr lang="it-IT" sz="1800" spc="-20" dirty="0">
                 <a:latin typeface="Calibri"/>
                 <a:cs typeface="Calibri"/>
               </a:rPr>
-              <a:t>)</a:t>
+              <a:t>atlab)</a:t>
             </a:r>
             <a:r>
               <a:rPr sz="1800" spc="-10" dirty="0">
@@ -18342,42 +18406,6 @@
           </a:p>
         </p:txBody>
       </p:sp>
-      <p:pic>
-        <p:nvPicPr>
-          <p:cNvPr id="10" name="Picture 9" descr="A graph of a video editing trace&#10;&#10;Description automatically generated">
-            <a:extLst>
-              <a:ext uri="{FF2B5EF4-FFF2-40B4-BE49-F238E27FC236}">
-                <a16:creationId xmlns:a16="http://schemas.microsoft.com/office/drawing/2014/main" id="{B970E78A-C811-8359-1017-CA4B7E7F04AE}"/>
-              </a:ext>
-            </a:extLst>
-          </p:cNvPr>
-          <p:cNvPicPr>
-            <a:picLocks noChangeAspect="1"/>
-          </p:cNvPicPr>
-          <p:nvPr/>
-        </p:nvPicPr>
-        <p:blipFill>
-          <a:blip r:embed="rId2">
-            <a:extLst>
-              <a:ext uri="{28A0092B-C50C-407E-A947-70E740481C1C}">
-                <a14:useLocalDpi xmlns:a14="http://schemas.microsoft.com/office/drawing/2010/main" val="0"/>
-              </a:ext>
-            </a:extLst>
-          </a:blip>
-          <a:stretch>
-            <a:fillRect/>
-          </a:stretch>
-        </p:blipFill>
-        <p:spPr>
-          <a:xfrm>
-            <a:off x="3429000" y="1981200"/>
-            <a:ext cx="5020376" cy="3810532"/>
-          </a:xfrm>
-          <a:prstGeom prst="rect">
-            <a:avLst/>
-          </a:prstGeom>
-        </p:spPr>
-      </p:pic>
       <p:sp>
         <p:nvSpPr>
           <p:cNvPr id="19" name="object 10">
@@ -18422,6 +18450,42 @@
           </a:p>
         </p:txBody>
       </p:sp>
+      <p:pic>
+        <p:nvPicPr>
+          <p:cNvPr id="8" name="Picture 7" descr="A graph with colored lines&#10;&#10;Description automatically generated">
+            <a:extLst>
+              <a:ext uri="{FF2B5EF4-FFF2-40B4-BE49-F238E27FC236}">
+                <a16:creationId xmlns:a16="http://schemas.microsoft.com/office/drawing/2014/main" id="{CCBABA7E-66DC-7841-FD54-C99717D5943C}"/>
+              </a:ext>
+            </a:extLst>
+          </p:cNvPr>
+          <p:cNvPicPr>
+            <a:picLocks noChangeAspect="1"/>
+          </p:cNvPicPr>
+          <p:nvPr/>
+        </p:nvPicPr>
+        <p:blipFill>
+          <a:blip r:embed="rId2">
+            <a:extLst>
+              <a:ext uri="{28A0092B-C50C-407E-A947-70E740481C1C}">
+                <a14:useLocalDpi xmlns:a14="http://schemas.microsoft.com/office/drawing/2010/main" val="0"/>
+              </a:ext>
+            </a:extLst>
+          </a:blip>
+          <a:stretch>
+            <a:fillRect/>
+          </a:stretch>
+        </p:blipFill>
+        <p:spPr>
+          <a:xfrm>
+            <a:off x="3962400" y="1905000"/>
+            <a:ext cx="4601217" cy="3858163"/>
+          </a:xfrm>
+          <a:prstGeom prst="rect">
+            <a:avLst/>
+          </a:prstGeom>
+        </p:spPr>
+      </p:pic>
     </p:spTree>
     <p:extLst>
       <p:ext uri="{BB962C8B-B14F-4D97-AF65-F5344CB8AC3E}">
@@ -18650,18 +18714,18 @@
               <a:t> (DISP from </a:t>
             </a:r>
             <a:r>
-              <a:rPr lang="it-IT" sz="1800" spc="-20" dirty="0" err="1">
-                <a:latin typeface="Calibri"/>
-                <a:cs typeface="Calibri"/>
-              </a:rPr>
-              <a:t>matlab</a:t>
+              <a:rPr lang="it-IT" spc="-20" dirty="0">
+                <a:latin typeface="Calibri"/>
+                <a:cs typeface="Calibri"/>
+              </a:rPr>
+              <a:t>M</a:t>
             </a:r>
             <a:r>
               <a:rPr lang="it-IT" sz="1800" spc="-20" dirty="0">
                 <a:latin typeface="Calibri"/>
                 <a:cs typeface="Calibri"/>
               </a:rPr>
-              <a:t>)</a:t>
+              <a:t>atlab)</a:t>
             </a:r>
             <a:r>
               <a:rPr sz="1800" spc="-10" dirty="0">
@@ -18900,42 +18964,6 @@
           </a:p>
         </p:txBody>
       </p:sp>
-      <p:pic>
-        <p:nvPicPr>
-          <p:cNvPr id="11" name="Picture 10" descr="A graph with different colored lines&#10;&#10;Description automatically generated">
-            <a:extLst>
-              <a:ext uri="{FF2B5EF4-FFF2-40B4-BE49-F238E27FC236}">
-                <a16:creationId xmlns:a16="http://schemas.microsoft.com/office/drawing/2014/main" id="{60926216-0C5C-9A03-0C0C-3B904EC09573}"/>
-              </a:ext>
-            </a:extLst>
-          </p:cNvPr>
-          <p:cNvPicPr>
-            <a:picLocks noChangeAspect="1"/>
-          </p:cNvPicPr>
-          <p:nvPr/>
-        </p:nvPicPr>
-        <p:blipFill>
-          <a:blip r:embed="rId2">
-            <a:extLst>
-              <a:ext uri="{28A0092B-C50C-407E-A947-70E740481C1C}">
-                <a14:useLocalDpi xmlns:a14="http://schemas.microsoft.com/office/drawing/2010/main" val="0"/>
-              </a:ext>
-            </a:extLst>
-          </a:blip>
-          <a:stretch>
-            <a:fillRect/>
-          </a:stretch>
-        </p:blipFill>
-        <p:spPr>
-          <a:xfrm>
-            <a:off x="3609504" y="2059730"/>
-            <a:ext cx="4820323" cy="3829584"/>
-          </a:xfrm>
-          <a:prstGeom prst="rect">
-            <a:avLst/>
-          </a:prstGeom>
-        </p:spPr>
-      </p:pic>
       <p:sp>
         <p:nvSpPr>
           <p:cNvPr id="12" name="object 10">
@@ -18980,6 +19008,42 @@
           </a:p>
         </p:txBody>
       </p:sp>
+      <p:pic>
+        <p:nvPicPr>
+          <p:cNvPr id="8" name="Picture 7" descr="A graph with different colored lines&#10;&#10;Description automatically generated">
+            <a:extLst>
+              <a:ext uri="{FF2B5EF4-FFF2-40B4-BE49-F238E27FC236}">
+                <a16:creationId xmlns:a16="http://schemas.microsoft.com/office/drawing/2014/main" id="{C6756B1A-3123-1782-FD0E-5B5535DB300E}"/>
+              </a:ext>
+            </a:extLst>
+          </p:cNvPr>
+          <p:cNvPicPr>
+            <a:picLocks noChangeAspect="1"/>
+          </p:cNvPicPr>
+          <p:nvPr/>
+        </p:nvPicPr>
+        <p:blipFill>
+          <a:blip r:embed="rId2">
+            <a:extLst>
+              <a:ext uri="{28A0092B-C50C-407E-A947-70E740481C1C}">
+                <a14:useLocalDpi xmlns:a14="http://schemas.microsoft.com/office/drawing/2010/main" val="0"/>
+              </a:ext>
+            </a:extLst>
+          </a:blip>
+          <a:stretch>
+            <a:fillRect/>
+          </a:stretch>
+        </p:blipFill>
+        <p:spPr>
+          <a:xfrm>
+            <a:off x="4051147" y="1981200"/>
+            <a:ext cx="4572638" cy="3743847"/>
+          </a:xfrm>
+          <a:prstGeom prst="rect">
+            <a:avLst/>
+          </a:prstGeom>
+        </p:spPr>
+      </p:pic>
     </p:spTree>
     <p:extLst>
       <p:ext uri="{BB962C8B-B14F-4D97-AF65-F5344CB8AC3E}">
@@ -19208,18 +19272,18 @@
               <a:t> (DISP from </a:t>
             </a:r>
             <a:r>
-              <a:rPr lang="it-IT" sz="1800" spc="-20" dirty="0" err="1">
-                <a:latin typeface="Calibri"/>
-                <a:cs typeface="Calibri"/>
-              </a:rPr>
-              <a:t>matlab</a:t>
+              <a:rPr lang="it-IT" spc="-20" dirty="0">
+                <a:latin typeface="Calibri"/>
+                <a:cs typeface="Calibri"/>
+              </a:rPr>
+              <a:t>M</a:t>
             </a:r>
             <a:r>
               <a:rPr lang="it-IT" sz="1800" spc="-20" dirty="0">
                 <a:latin typeface="Calibri"/>
                 <a:cs typeface="Calibri"/>
               </a:rPr>
-              <a:t>)</a:t>
+              <a:t>atlab)</a:t>
             </a:r>
             <a:r>
               <a:rPr sz="1800" spc="-10" dirty="0">
@@ -19458,42 +19522,6 @@
           </a:p>
         </p:txBody>
       </p:sp>
-      <p:pic>
-        <p:nvPicPr>
-          <p:cNvPr id="10" name="Picture 9" descr="A graph with a blue line&#10;&#10;Description automatically generated">
-            <a:extLst>
-              <a:ext uri="{FF2B5EF4-FFF2-40B4-BE49-F238E27FC236}">
-                <a16:creationId xmlns:a16="http://schemas.microsoft.com/office/drawing/2014/main" id="{85795108-004F-8396-4C5F-4A3890A5C5D6}"/>
-              </a:ext>
-            </a:extLst>
-          </p:cNvPr>
-          <p:cNvPicPr>
-            <a:picLocks noChangeAspect="1"/>
-          </p:cNvPicPr>
-          <p:nvPr/>
-        </p:nvPicPr>
-        <p:blipFill>
-          <a:blip r:embed="rId2">
-            <a:extLst>
-              <a:ext uri="{28A0092B-C50C-407E-A947-70E740481C1C}">
-                <a14:useLocalDpi xmlns:a14="http://schemas.microsoft.com/office/drawing/2010/main" val="0"/>
-              </a:ext>
-            </a:extLst>
-          </a:blip>
-          <a:stretch>
-            <a:fillRect/>
-          </a:stretch>
-        </p:blipFill>
-        <p:spPr>
-          <a:xfrm>
-            <a:off x="3658272" y="1981200"/>
-            <a:ext cx="4782217" cy="3820058"/>
-          </a:xfrm>
-          <a:prstGeom prst="rect">
-            <a:avLst/>
-          </a:prstGeom>
-        </p:spPr>
-      </p:pic>
       <p:sp>
         <p:nvSpPr>
           <p:cNvPr id="12" name="object 10">
@@ -19538,6 +19566,42 @@
           </a:p>
         </p:txBody>
       </p:sp>
+      <p:pic>
+        <p:nvPicPr>
+          <p:cNvPr id="8" name="Picture 7" descr="A graph of compositing trace&#10;&#10;Description automatically generated">
+            <a:extLst>
+              <a:ext uri="{FF2B5EF4-FFF2-40B4-BE49-F238E27FC236}">
+                <a16:creationId xmlns:a16="http://schemas.microsoft.com/office/drawing/2014/main" id="{8EDFE072-0993-FCB4-72FA-9A409EE6F745}"/>
+              </a:ext>
+            </a:extLst>
+          </p:cNvPr>
+          <p:cNvPicPr>
+            <a:picLocks noChangeAspect="1"/>
+          </p:cNvPicPr>
+          <p:nvPr/>
+        </p:nvPicPr>
+        <p:blipFill>
+          <a:blip r:embed="rId2">
+            <a:extLst>
+              <a:ext uri="{28A0092B-C50C-407E-A947-70E740481C1C}">
+                <a14:useLocalDpi xmlns:a14="http://schemas.microsoft.com/office/drawing/2010/main" val="0"/>
+              </a:ext>
+            </a:extLst>
+          </a:blip>
+          <a:stretch>
+            <a:fillRect/>
+          </a:stretch>
+        </p:blipFill>
+        <p:spPr>
+          <a:xfrm>
+            <a:off x="4051147" y="1981200"/>
+            <a:ext cx="4553585" cy="3696216"/>
+          </a:xfrm>
+          <a:prstGeom prst="rect">
+            <a:avLst/>
+          </a:prstGeom>
+        </p:spPr>
+      </p:pic>
     </p:spTree>
     <p:extLst>
       <p:ext uri="{BB962C8B-B14F-4D97-AF65-F5344CB8AC3E}">
